--- a/DataDesign_task11/Task11_Data design.pptx
+++ b/DataDesign_task11/Task11_Data design.pptx
@@ -5,7 +5,7 @@
     <p:sldMasterId id="2147483659" r:id="rId1"/>
   </p:sldMasterIdLst>
   <p:notesMasterIdLst>
-    <p:notesMasterId r:id="rId10"/>
+    <p:notesMasterId r:id="rId11"/>
   </p:notesMasterIdLst>
   <p:sldIdLst>
     <p:sldId id="256" r:id="rId2"/>
@@ -14,8 +14,9 @@
     <p:sldId id="260" r:id="rId5"/>
     <p:sldId id="261" r:id="rId6"/>
     <p:sldId id="262" r:id="rId7"/>
-    <p:sldId id="263" r:id="rId8"/>
-    <p:sldId id="264" r:id="rId9"/>
+    <p:sldId id="264" r:id="rId8"/>
+    <p:sldId id="265" r:id="rId9"/>
+    <p:sldId id="266" r:id="rId10"/>
   </p:sldIdLst>
   <p:sldSz cx="9144000" cy="5143500" type="screen16x9"/>
   <p:notesSz cx="6858000" cy="9144000"/>
@@ -1049,7 +1050,7 @@
         </p:nvSpPr>
         <p:spPr>
           <a:xfrm>
-            <a:off x="381300" y="685800"/>
+            <a:off x="381000" y="685800"/>
             <a:ext cx="6096000" cy="3429000"/>
           </a:xfrm>
           <a:custGeom>
@@ -1153,7 +1154,7 @@
         </p:nvSpPr>
         <p:spPr>
           <a:xfrm>
-            <a:off x="381300" y="685800"/>
+            <a:off x="381000" y="685800"/>
             <a:ext cx="6096000" cy="3429000"/>
           </a:xfrm>
           <a:custGeom>
@@ -1257,7 +1258,7 @@
         </p:nvSpPr>
         <p:spPr>
           <a:xfrm>
-            <a:off x="381300" y="685800"/>
+            <a:off x="381000" y="685800"/>
             <a:ext cx="6096000" cy="3429000"/>
           </a:xfrm>
           <a:custGeom>
@@ -1337,110 +1338,6 @@
   <p:cSld>
     <p:spTree>
       <p:nvGrpSpPr>
-        <p:cNvPr id="1" name="Shape 99"/>
-        <p:cNvGrpSpPr/>
-        <p:nvPr/>
-      </p:nvGrpSpPr>
-      <p:grpSpPr>
-        <a:xfrm>
-          <a:off x="0" y="0"/>
-          <a:ext cx="0" cy="0"/>
-          <a:chOff x="0" y="0"/>
-          <a:chExt cx="0" cy="0"/>
-        </a:xfrm>
-      </p:grpSpPr>
-      <p:sp>
-        <p:nvSpPr>
-          <p:cNvPr id="100" name="Google Shape;100;g1b605f3c06d_0_7:notes"/>
-          <p:cNvSpPr>
-            <a:spLocks noGrp="1" noRot="1" noChangeAspect="1"/>
-          </p:cNvSpPr>
-          <p:nvPr>
-            <p:ph type="sldImg" idx="2"/>
-          </p:nvPr>
-        </p:nvSpPr>
-        <p:spPr>
-          <a:xfrm>
-            <a:off x="381300" y="685800"/>
-            <a:ext cx="6096000" cy="3429000"/>
-          </a:xfrm>
-          <a:custGeom>
-            <a:avLst/>
-            <a:gdLst/>
-            <a:ahLst/>
-            <a:cxnLst/>
-            <a:rect l="l" t="t" r="r" b="b"/>
-            <a:pathLst>
-              <a:path w="120000" h="120000" extrusionOk="0">
-                <a:moveTo>
-                  <a:pt x="0" y="0"/>
-                </a:moveTo>
-                <a:lnTo>
-                  <a:pt x="120000" y="0"/>
-                </a:lnTo>
-                <a:lnTo>
-                  <a:pt x="120000" y="120000"/>
-                </a:lnTo>
-                <a:lnTo>
-                  <a:pt x="0" y="120000"/>
-                </a:lnTo>
-                <a:close/>
-              </a:path>
-            </a:pathLst>
-          </a:custGeom>
-        </p:spPr>
-      </p:sp>
-      <p:sp>
-        <p:nvSpPr>
-          <p:cNvPr id="101" name="Google Shape;101;g1b605f3c06d_0_7:notes"/>
-          <p:cNvSpPr txBox="1">
-            <a:spLocks noGrp="1"/>
-          </p:cNvSpPr>
-          <p:nvPr>
-            <p:ph type="body" idx="1"/>
-          </p:nvPr>
-        </p:nvSpPr>
-        <p:spPr>
-          <a:xfrm>
-            <a:off x="685800" y="4343400"/>
-            <a:ext cx="5486400" cy="4114800"/>
-          </a:xfrm>
-          <a:prstGeom prst="rect">
-            <a:avLst/>
-          </a:prstGeom>
-        </p:spPr>
-        <p:txBody>
-          <a:bodyPr spcFirstLastPara="1" wrap="square" lIns="91425" tIns="91425" rIns="91425" bIns="91425" anchor="t" anchorCtr="0">
-            <a:noAutofit/>
-          </a:bodyPr>
-          <a:lstStyle/>
-          <a:p>
-            <a:pPr marL="0" lvl="0" indent="0" algn="l" rtl="0">
-              <a:spcBef>
-                <a:spcPts val="0"/>
-              </a:spcBef>
-              <a:spcAft>
-                <a:spcPts val="0"/>
-              </a:spcAft>
-              <a:buNone/>
-            </a:pPr>
-            <a:endParaRPr/>
-          </a:p>
-        </p:txBody>
-      </p:sp>
-    </p:spTree>
-  </p:cSld>
-  <p:clrMapOvr>
-    <a:masterClrMapping/>
-  </p:clrMapOvr>
-</p:notes>
-</file>
-
-<file path=ppt/notesSlides/notesSlide8.xml><?xml version="1.0" encoding="utf-8"?>
-<p:notes xmlns:a="http://schemas.openxmlformats.org/drawingml/2006/main" xmlns:r="http://schemas.openxmlformats.org/officeDocument/2006/relationships" xmlns:p="http://schemas.openxmlformats.org/presentationml/2006/main" showMasterSp="0" showMasterPhAnim="0">
-  <p:cSld>
-    <p:spTree>
-      <p:nvGrpSpPr>
         <p:cNvPr id="1" name="Shape 106"/>
         <p:cNvGrpSpPr/>
         <p:nvPr/>
@@ -1465,7 +1362,7 @@
         </p:nvSpPr>
         <p:spPr>
           <a:xfrm>
-            <a:off x="381300" y="685800"/>
+            <a:off x="381000" y="685800"/>
             <a:ext cx="6096000" cy="3429000"/>
           </a:xfrm>
           <a:custGeom>
@@ -6730,7 +6627,7 @@
         <p:spPr>
           <a:xfrm>
             <a:off x="311700" y="445025"/>
-            <a:ext cx="8520600" cy="572700"/>
+            <a:ext cx="3409470" cy="572700"/>
           </a:xfrm>
           <a:prstGeom prst="rect">
             <a:avLst/>
@@ -6752,39 +6649,105 @@
               <a:buNone/>
             </a:pPr>
             <a:r>
-              <a:rPr lang="en-GB"/>
-              <a:t>Logical data model Chat</a:t>
+              <a:rPr lang="en-GB" dirty="0"/>
+              <a:t>Logical data model</a:t>
             </a:r>
-            <a:endParaRPr/>
+            <a:endParaRPr dirty="0"/>
           </a:p>
         </p:txBody>
       </p:sp>
       <p:pic>
         <p:nvPicPr>
-          <p:cNvPr id="82" name="Google Shape;82;p17"/>
-          <p:cNvPicPr preferRelativeResize="0"/>
+          <p:cNvPr id="8" name="Picture 4">
+            <a:extLst>
+              <a:ext uri="{FF2B5EF4-FFF2-40B4-BE49-F238E27FC236}">
+                <a16:creationId xmlns:a16="http://schemas.microsoft.com/office/drawing/2014/main" id="{64804AE9-9109-E20C-9331-4C989C0FA46D}"/>
+              </a:ext>
+            </a:extLst>
+          </p:cNvPr>
+          <p:cNvPicPr>
+            <a:picLocks noChangeAspect="1" noChangeArrowheads="1"/>
+          </p:cNvPicPr>
           <p:nvPr/>
         </p:nvPicPr>
         <p:blipFill>
           <a:blip r:embed="rId3">
-            <a:alphaModFix/>
+            <a:extLst>
+              <a:ext uri="{28A0092B-C50C-407E-A947-70E740481C1C}">
+                <a14:useLocalDpi xmlns:a14="http://schemas.microsoft.com/office/drawing/2010/main" val="0"/>
+              </a:ext>
+            </a:extLst>
           </a:blip>
+          <a:srcRect/>
           <a:stretch>
             <a:fillRect/>
           </a:stretch>
         </p:blipFill>
-        <p:spPr>
+        <p:spPr bwMode="auto">
           <a:xfrm>
-            <a:off x="682000" y="1321626"/>
-            <a:ext cx="7780001" cy="3056725"/>
+            <a:off x="4018916" y="266700"/>
+            <a:ext cx="4728278" cy="2827020"/>
           </a:xfrm>
           <a:prstGeom prst="rect">
             <a:avLst/>
           </a:prstGeom>
           <a:noFill/>
-          <a:ln>
-            <a:noFill/>
-          </a:ln>
+          <a:extLst>
+            <a:ext uri="{909E8E84-426E-40DD-AFC4-6F175D3DCCD1}">
+              <a14:hiddenFill xmlns:a14="http://schemas.microsoft.com/office/drawing/2010/main">
+                <a:solidFill>
+                  <a:srgbClr val="FFFFFF"/>
+                </a:solidFill>
+              </a14:hiddenFill>
+            </a:ext>
+          </a:extLst>
+        </p:spPr>
+      </p:pic>
+      <p:pic>
+        <p:nvPicPr>
+          <p:cNvPr id="9" name="Picture 6">
+            <a:extLst>
+              <a:ext uri="{FF2B5EF4-FFF2-40B4-BE49-F238E27FC236}">
+                <a16:creationId xmlns:a16="http://schemas.microsoft.com/office/drawing/2014/main" id="{0768D079-A4AC-F05E-7F20-C0CABA6CCAC6}"/>
+              </a:ext>
+            </a:extLst>
+          </p:cNvPr>
+          <p:cNvPicPr>
+            <a:picLocks noChangeAspect="1" noChangeArrowheads="1"/>
+          </p:cNvPicPr>
+          <p:nvPr/>
+        </p:nvPicPr>
+        <p:blipFill>
+          <a:blip r:embed="rId4">
+            <a:extLst>
+              <a:ext uri="{28A0092B-C50C-407E-A947-70E740481C1C}">
+                <a14:useLocalDpi xmlns:a14="http://schemas.microsoft.com/office/drawing/2010/main" val="0"/>
+              </a:ext>
+            </a:extLst>
+          </a:blip>
+          <a:srcRect/>
+          <a:stretch>
+            <a:fillRect/>
+          </a:stretch>
+        </p:blipFill>
+        <p:spPr bwMode="auto">
+          <a:xfrm>
+            <a:off x="4221480" y="3093720"/>
+            <a:ext cx="4823460" cy="1692398"/>
+          </a:xfrm>
+          <a:prstGeom prst="rect">
+            <a:avLst/>
+          </a:prstGeom>
+          <a:noFill/>
+          <a:extLst>
+            <a:ext uri="{909E8E84-426E-40DD-AFC4-6F175D3DCCD1}">
+              <a14:hiddenFill xmlns:a14="http://schemas.microsoft.com/office/drawing/2010/main">
+                <a:solidFill>
+                  <a:srgbClr val="FFFFFF"/>
+                </a:solidFill>
+              </a14:hiddenFill>
+            </a:ext>
+          </a:extLst>
         </p:spPr>
       </p:pic>
     </p:spTree>
@@ -6814,48 +6777,6 @@
       </p:grpSpPr>
       <p:sp>
         <p:nvSpPr>
-          <p:cNvPr id="87" name="Google Shape;87;p18"/>
-          <p:cNvSpPr txBox="1">
-            <a:spLocks noGrp="1"/>
-          </p:cNvSpPr>
-          <p:nvPr>
-            <p:ph type="title"/>
-          </p:nvPr>
-        </p:nvSpPr>
-        <p:spPr>
-          <a:xfrm>
-            <a:off x="311700" y="445025"/>
-            <a:ext cx="8520600" cy="572700"/>
-          </a:xfrm>
-          <a:prstGeom prst="rect">
-            <a:avLst/>
-          </a:prstGeom>
-        </p:spPr>
-        <p:txBody>
-          <a:bodyPr spcFirstLastPara="1" wrap="square" lIns="91425" tIns="91425" rIns="91425" bIns="91425" anchor="t" anchorCtr="0">
-            <a:noAutofit/>
-          </a:bodyPr>
-          <a:lstStyle/>
-          <a:p>
-            <a:pPr marL="0" lvl="0" indent="0" algn="l" rtl="0">
-              <a:spcBef>
-                <a:spcPts val="0"/>
-              </a:spcBef>
-              <a:spcAft>
-                <a:spcPts val="0"/>
-              </a:spcAft>
-              <a:buNone/>
-            </a:pPr>
-            <a:r>
-              <a:rPr lang="en-GB"/>
-              <a:t>API summary &lt;for each microservice separately&gt;</a:t>
-            </a:r>
-            <a:endParaRPr/>
-          </a:p>
-        </p:txBody>
-      </p:sp>
-      <p:sp>
-        <p:nvSpPr>
           <p:cNvPr id="88" name="Google Shape;88;p18"/>
           <p:cNvSpPr txBox="1">
             <a:spLocks noGrp="1"/>
@@ -6962,58 +6883,32 @@
       </p:sp>
       <p:pic>
         <p:nvPicPr>
-          <p:cNvPr id="89" name="Google Shape;89;p18"/>
-          <p:cNvPicPr preferRelativeResize="0"/>
+          <p:cNvPr id="2" name="Рисунок 1">
+            <a:extLst>
+              <a:ext uri="{FF2B5EF4-FFF2-40B4-BE49-F238E27FC236}">
+                <a16:creationId xmlns:a16="http://schemas.microsoft.com/office/drawing/2014/main" id="{63F005D2-64E3-D3C0-1352-BE88D225FD9E}"/>
+              </a:ext>
+            </a:extLst>
+          </p:cNvPr>
+          <p:cNvPicPr>
+            <a:picLocks noChangeAspect="1"/>
+          </p:cNvPicPr>
           <p:nvPr/>
         </p:nvPicPr>
         <p:blipFill>
-          <a:blip r:embed="rId3">
-            <a:alphaModFix/>
-          </a:blip>
+          <a:blip r:embed="rId3"/>
           <a:stretch>
             <a:fillRect/>
           </a:stretch>
         </p:blipFill>
         <p:spPr>
           <a:xfrm>
-            <a:off x="255375" y="1152475"/>
-            <a:ext cx="4624593" cy="3820975"/>
+            <a:off x="311700" y="22141"/>
+            <a:ext cx="5121360" cy="5121360"/>
           </a:xfrm>
           <a:prstGeom prst="rect">
             <a:avLst/>
           </a:prstGeom>
-          <a:noFill/>
-          <a:ln>
-            <a:noFill/>
-          </a:ln>
-        </p:spPr>
-      </p:pic>
-      <p:pic>
-        <p:nvPicPr>
-          <p:cNvPr id="90" name="Google Shape;90;p18"/>
-          <p:cNvPicPr preferRelativeResize="0"/>
-          <p:nvPr/>
-        </p:nvPicPr>
-        <p:blipFill>
-          <a:blip r:embed="rId4">
-            <a:alphaModFix/>
-          </a:blip>
-          <a:stretch>
-            <a:fillRect/>
-          </a:stretch>
-        </p:blipFill>
-        <p:spPr>
-          <a:xfrm>
-            <a:off x="4927075" y="2569898"/>
-            <a:ext cx="4216926" cy="1104651"/>
-          </a:xfrm>
-          <a:prstGeom prst="rect">
-            <a:avLst/>
-          </a:prstGeom>
-          <a:noFill/>
-          <a:ln>
-            <a:noFill/>
-          </a:ln>
         </p:spPr>
       </p:pic>
     </p:spTree>
@@ -7041,136 +6936,64 @@
           <a:chExt cx="0" cy="0"/>
         </a:xfrm>
       </p:grpSpPr>
-      <p:sp>
-        <p:nvSpPr>
-          <p:cNvPr id="95" name="Google Shape;95;p19"/>
-          <p:cNvSpPr txBox="1">
-            <a:spLocks noGrp="1"/>
-          </p:cNvSpPr>
-          <p:nvPr>
-            <p:ph type="title"/>
-          </p:nvPr>
-        </p:nvSpPr>
-        <p:spPr>
-          <a:xfrm>
-            <a:off x="311700" y="445025"/>
-            <a:ext cx="8520600" cy="572700"/>
-          </a:xfrm>
-          <a:prstGeom prst="rect">
-            <a:avLst/>
-          </a:prstGeom>
-        </p:spPr>
-        <p:txBody>
-          <a:bodyPr spcFirstLastPara="1" wrap="square" lIns="91425" tIns="91425" rIns="91425" bIns="91425" anchor="t" anchorCtr="0">
-            <a:noAutofit/>
-          </a:bodyPr>
-          <a:lstStyle/>
-          <a:p>
-            <a:pPr marL="0" lvl="0" indent="0" algn="l" rtl="0">
-              <a:spcBef>
-                <a:spcPts val="0"/>
-              </a:spcBef>
-              <a:spcAft>
-                <a:spcPts val="0"/>
-              </a:spcAft>
-              <a:buNone/>
-            </a:pPr>
-            <a:endParaRPr/>
-          </a:p>
-        </p:txBody>
-      </p:sp>
-      <p:sp>
-        <p:nvSpPr>
-          <p:cNvPr id="96" name="Google Shape;96;p19"/>
-          <p:cNvSpPr txBox="1">
-            <a:spLocks noGrp="1"/>
-          </p:cNvSpPr>
-          <p:nvPr>
-            <p:ph type="body" idx="1"/>
-          </p:nvPr>
-        </p:nvSpPr>
-        <p:spPr>
-          <a:xfrm>
-            <a:off x="311700" y="1152475"/>
-            <a:ext cx="8520600" cy="3416400"/>
-          </a:xfrm>
-          <a:prstGeom prst="rect">
-            <a:avLst/>
-          </a:prstGeom>
-        </p:spPr>
-        <p:txBody>
-          <a:bodyPr spcFirstLastPara="1" wrap="square" lIns="91425" tIns="91425" rIns="91425" bIns="91425" anchor="t" anchorCtr="0">
-            <a:noAutofit/>
-          </a:bodyPr>
-          <a:lstStyle/>
-          <a:p>
-            <a:pPr marL="0" lvl="0" indent="0" algn="l" rtl="0">
-              <a:spcBef>
-                <a:spcPts val="0"/>
-              </a:spcBef>
-              <a:spcAft>
-                <a:spcPts val="1200"/>
-              </a:spcAft>
-              <a:buNone/>
-            </a:pPr>
-            <a:endParaRPr/>
-          </a:p>
-        </p:txBody>
-      </p:sp>
       <p:pic>
         <p:nvPicPr>
-          <p:cNvPr id="97" name="Google Shape;97;p19"/>
-          <p:cNvPicPr preferRelativeResize="0"/>
+          <p:cNvPr id="2" name="Рисунок 1">
+            <a:extLst>
+              <a:ext uri="{FF2B5EF4-FFF2-40B4-BE49-F238E27FC236}">
+                <a16:creationId xmlns:a16="http://schemas.microsoft.com/office/drawing/2014/main" id="{E9C8FE2B-3898-DDA4-C639-7B4A70E35E0F}"/>
+              </a:ext>
+            </a:extLst>
+          </p:cNvPr>
+          <p:cNvPicPr>
+            <a:picLocks noChangeAspect="1"/>
+          </p:cNvPicPr>
           <p:nvPr/>
         </p:nvPicPr>
         <p:blipFill>
-          <a:blip r:embed="rId3">
-            <a:alphaModFix/>
-          </a:blip>
+          <a:blip r:embed="rId3"/>
           <a:stretch>
             <a:fillRect/>
           </a:stretch>
         </p:blipFill>
         <p:spPr>
           <a:xfrm>
-            <a:off x="311702" y="1076650"/>
-            <a:ext cx="4585275" cy="4066850"/>
+            <a:off x="144322" y="302520"/>
+            <a:ext cx="5696628" cy="2783580"/>
           </a:xfrm>
           <a:prstGeom prst="rect">
             <a:avLst/>
           </a:prstGeom>
-          <a:noFill/>
-          <a:ln>
-            <a:noFill/>
-          </a:ln>
         </p:spPr>
       </p:pic>
       <p:pic>
         <p:nvPicPr>
-          <p:cNvPr id="98" name="Google Shape;98;p19"/>
-          <p:cNvPicPr preferRelativeResize="0"/>
+          <p:cNvPr id="6" name="Рисунок 5">
+            <a:extLst>
+              <a:ext uri="{FF2B5EF4-FFF2-40B4-BE49-F238E27FC236}">
+                <a16:creationId xmlns:a16="http://schemas.microsoft.com/office/drawing/2014/main" id="{AFD65752-C349-7574-C13A-2B73E654439A}"/>
+              </a:ext>
+            </a:extLst>
+          </p:cNvPr>
+          <p:cNvPicPr>
+            <a:picLocks noChangeAspect="1"/>
+          </p:cNvPicPr>
           <p:nvPr/>
         </p:nvPicPr>
         <p:blipFill>
-          <a:blip r:embed="rId4">
-            <a:alphaModFix/>
-          </a:blip>
+          <a:blip r:embed="rId4"/>
           <a:stretch>
             <a:fillRect/>
           </a:stretch>
         </p:blipFill>
         <p:spPr>
           <a:xfrm>
-            <a:off x="4845194" y="2218569"/>
-            <a:ext cx="4226625" cy="1556700"/>
+            <a:off x="215265" y="3086100"/>
+            <a:ext cx="5391150" cy="1743075"/>
           </a:xfrm>
           <a:prstGeom prst="rect">
             <a:avLst/>
           </a:prstGeom>
-          <a:noFill/>
-          <a:ln>
-            <a:noFill/>
-          </a:ln>
         </p:spPr>
       </p:pic>
     </p:spTree>
@@ -7182,135 +7005,6 @@
 </file>
 
 <file path=ppt/slides/slide7.xml><?xml version="1.0" encoding="utf-8"?>
-<p:sld xmlns:a="http://schemas.openxmlformats.org/drawingml/2006/main" xmlns:r="http://schemas.openxmlformats.org/officeDocument/2006/relationships" xmlns:p="http://schemas.openxmlformats.org/presentationml/2006/main">
-  <p:cSld>
-    <p:spTree>
-      <p:nvGrpSpPr>
-        <p:cNvPr id="1" name="Shape 102"/>
-        <p:cNvGrpSpPr/>
-        <p:nvPr/>
-      </p:nvGrpSpPr>
-      <p:grpSpPr>
-        <a:xfrm>
-          <a:off x="0" y="0"/>
-          <a:ext cx="0" cy="0"/>
-          <a:chOff x="0" y="0"/>
-          <a:chExt cx="0" cy="0"/>
-        </a:xfrm>
-      </p:grpSpPr>
-      <p:sp>
-        <p:nvSpPr>
-          <p:cNvPr id="103" name="Google Shape;103;p20"/>
-          <p:cNvSpPr txBox="1">
-            <a:spLocks noGrp="1"/>
-          </p:cNvSpPr>
-          <p:nvPr>
-            <p:ph type="title"/>
-          </p:nvPr>
-        </p:nvSpPr>
-        <p:spPr>
-          <a:xfrm>
-            <a:off x="311700" y="445025"/>
-            <a:ext cx="8520600" cy="572700"/>
-          </a:xfrm>
-          <a:prstGeom prst="rect">
-            <a:avLst/>
-          </a:prstGeom>
-        </p:spPr>
-        <p:txBody>
-          <a:bodyPr spcFirstLastPara="1" wrap="square" lIns="91425" tIns="91425" rIns="91425" bIns="91425" anchor="t" anchorCtr="0">
-            <a:noAutofit/>
-          </a:bodyPr>
-          <a:lstStyle/>
-          <a:p>
-            <a:pPr marL="0" lvl="0" indent="0" algn="l" rtl="0">
-              <a:spcBef>
-                <a:spcPts val="0"/>
-              </a:spcBef>
-              <a:spcAft>
-                <a:spcPts val="0"/>
-              </a:spcAft>
-              <a:buNone/>
-            </a:pPr>
-            <a:endParaRPr/>
-          </a:p>
-        </p:txBody>
-      </p:sp>
-      <p:sp>
-        <p:nvSpPr>
-          <p:cNvPr id="104" name="Google Shape;104;p20"/>
-          <p:cNvSpPr txBox="1">
-            <a:spLocks noGrp="1"/>
-          </p:cNvSpPr>
-          <p:nvPr>
-            <p:ph type="body" idx="1"/>
-          </p:nvPr>
-        </p:nvSpPr>
-        <p:spPr>
-          <a:xfrm>
-            <a:off x="311700" y="1152475"/>
-            <a:ext cx="8520600" cy="3416400"/>
-          </a:xfrm>
-          <a:prstGeom prst="rect">
-            <a:avLst/>
-          </a:prstGeom>
-        </p:spPr>
-        <p:txBody>
-          <a:bodyPr spcFirstLastPara="1" wrap="square" lIns="91425" tIns="91425" rIns="91425" bIns="91425" anchor="t" anchorCtr="0">
-            <a:noAutofit/>
-          </a:bodyPr>
-          <a:lstStyle/>
-          <a:p>
-            <a:pPr marL="0" lvl="0" indent="0" algn="l" rtl="0">
-              <a:spcBef>
-                <a:spcPts val="0"/>
-              </a:spcBef>
-              <a:spcAft>
-                <a:spcPts val="1200"/>
-              </a:spcAft>
-              <a:buNone/>
-            </a:pPr>
-            <a:endParaRPr/>
-          </a:p>
-        </p:txBody>
-      </p:sp>
-      <p:pic>
-        <p:nvPicPr>
-          <p:cNvPr id="105" name="Google Shape;105;p20"/>
-          <p:cNvPicPr preferRelativeResize="0"/>
-          <p:nvPr/>
-        </p:nvPicPr>
-        <p:blipFill>
-          <a:blip r:embed="rId3">
-            <a:alphaModFix/>
-          </a:blip>
-          <a:stretch>
-            <a:fillRect/>
-          </a:stretch>
-        </p:blipFill>
-        <p:spPr>
-          <a:xfrm>
-            <a:off x="2898841" y="1017725"/>
-            <a:ext cx="4442057" cy="4125774"/>
-          </a:xfrm>
-          <a:prstGeom prst="rect">
-            <a:avLst/>
-          </a:prstGeom>
-          <a:noFill/>
-          <a:ln>
-            <a:noFill/>
-          </a:ln>
-        </p:spPr>
-      </p:pic>
-    </p:spTree>
-  </p:cSld>
-  <p:clrMapOvr>
-    <a:masterClrMapping/>
-  </p:clrMapOvr>
-</p:sld>
-</file>
-
-<file path=ppt/slides/slide8.xml><?xml version="1.0" encoding="utf-8"?>
 <p:sld xmlns:a="http://schemas.openxmlformats.org/drawingml/2006/main" xmlns:r="http://schemas.openxmlformats.org/officeDocument/2006/relationships" xmlns:p="http://schemas.openxmlformats.org/presentationml/2006/main">
   <p:cSld>
     <p:spTree>
@@ -7327,151 +7021,157 @@
           <a:chExt cx="0" cy="0"/>
         </a:xfrm>
       </p:grpSpPr>
-      <p:sp>
-        <p:nvSpPr>
-          <p:cNvPr id="110" name="Google Shape;110;p21"/>
-          <p:cNvSpPr txBox="1">
-            <a:spLocks noGrp="1"/>
-          </p:cNvSpPr>
-          <p:nvPr>
-            <p:ph type="title"/>
-          </p:nvPr>
-        </p:nvSpPr>
-        <p:spPr>
-          <a:xfrm>
-            <a:off x="311700" y="445025"/>
-            <a:ext cx="8520600" cy="572700"/>
-          </a:xfrm>
-          <a:prstGeom prst="rect">
-            <a:avLst/>
-          </a:prstGeom>
-        </p:spPr>
-        <p:txBody>
-          <a:bodyPr spcFirstLastPara="1" wrap="square" lIns="91425" tIns="91425" rIns="91425" bIns="91425" anchor="t" anchorCtr="0">
-            <a:noAutofit/>
-          </a:bodyPr>
-          <a:lstStyle/>
-          <a:p>
-            <a:pPr marL="0" lvl="0" indent="0" algn="l" rtl="0">
-              <a:spcBef>
-                <a:spcPts val="0"/>
-              </a:spcBef>
-              <a:spcAft>
-                <a:spcPts val="0"/>
-              </a:spcAft>
-              <a:buNone/>
-            </a:pPr>
-            <a:r>
-              <a:rPr lang="en-GB"/>
-              <a:t>Physical schema</a:t>
-            </a:r>
-            <a:endParaRPr/>
-          </a:p>
-        </p:txBody>
-      </p:sp>
-      <p:sp>
-        <p:nvSpPr>
-          <p:cNvPr id="111" name="Google Shape;111;p21"/>
-          <p:cNvSpPr txBox="1">
-            <a:spLocks noGrp="1"/>
-          </p:cNvSpPr>
-          <p:nvPr>
-            <p:ph type="body" idx="1"/>
-          </p:nvPr>
-        </p:nvSpPr>
-        <p:spPr>
-          <a:xfrm>
-            <a:off x="311700" y="1182225"/>
-            <a:ext cx="3787800" cy="3386700"/>
-          </a:xfrm>
-          <a:prstGeom prst="rect">
-            <a:avLst/>
-          </a:prstGeom>
-        </p:spPr>
-        <p:txBody>
-          <a:bodyPr spcFirstLastPara="1" wrap="square" lIns="91425" tIns="91425" rIns="91425" bIns="91425" anchor="t" anchorCtr="0">
-            <a:noAutofit/>
-          </a:bodyPr>
-          <a:lstStyle/>
-          <a:p>
-            <a:pPr marL="0" lvl="0" indent="0" algn="l" rtl="0">
-              <a:spcBef>
-                <a:spcPts val="0"/>
-              </a:spcBef>
-              <a:spcAft>
-                <a:spcPts val="0"/>
-              </a:spcAft>
-              <a:buNone/>
-            </a:pPr>
-            <a:r>
-              <a:rPr lang="en-GB"/>
-              <a:t>For NoSQL - selection of keys, and explain how requests are served using keys</a:t>
-            </a:r>
-            <a:endParaRPr/>
-          </a:p>
-          <a:p>
-            <a:pPr marL="0" lvl="0" indent="0" algn="l" rtl="0">
-              <a:spcBef>
-                <a:spcPts val="1200"/>
-              </a:spcBef>
-              <a:spcAft>
-                <a:spcPts val="0"/>
-              </a:spcAft>
-              <a:buNone/>
-            </a:pPr>
-            <a:r>
-              <a:rPr lang="en-GB"/>
-              <a:t>For RDBMS - physical schema (crow-foot (app.diagrams.net) or SQL dump)</a:t>
-            </a:r>
-            <a:endParaRPr/>
-          </a:p>
-          <a:p>
-            <a:pPr marL="0" lvl="0" indent="0" algn="l" rtl="0">
-              <a:spcBef>
-                <a:spcPts val="1200"/>
-              </a:spcBef>
-              <a:spcAft>
-                <a:spcPts val="1200"/>
-              </a:spcAft>
-              <a:buNone/>
-            </a:pPr>
-            <a:r>
-              <a:rPr lang="en-GB"/>
-              <a:t>&lt;for each DB in each microservice&gt;</a:t>
-            </a:r>
-            <a:endParaRPr/>
-          </a:p>
-        </p:txBody>
-      </p:sp>
       <p:pic>
         <p:nvPicPr>
-          <p:cNvPr id="112" name="Google Shape;112;p21"/>
-          <p:cNvPicPr preferRelativeResize="0"/>
+          <p:cNvPr id="7" name="Рисунок 6">
+            <a:extLst>
+              <a:ext uri="{FF2B5EF4-FFF2-40B4-BE49-F238E27FC236}">
+                <a16:creationId xmlns:a16="http://schemas.microsoft.com/office/drawing/2014/main" id="{C099AAFB-C80E-D4C9-833C-DE7268185083}"/>
+              </a:ext>
+            </a:extLst>
+          </p:cNvPr>
+          <p:cNvPicPr>
+            <a:picLocks noChangeAspect="1"/>
+          </p:cNvPicPr>
           <p:nvPr/>
         </p:nvPicPr>
         <p:blipFill>
-          <a:blip r:embed="rId3">
-            <a:alphaModFix/>
-          </a:blip>
+          <a:blip r:embed="rId3"/>
           <a:stretch>
             <a:fillRect/>
           </a:stretch>
         </p:blipFill>
         <p:spPr>
           <a:xfrm>
-            <a:off x="4657713" y="276213"/>
-            <a:ext cx="4486275" cy="4867275"/>
+            <a:off x="188118" y="770566"/>
+            <a:ext cx="8767763" cy="2914657"/>
           </a:xfrm>
           <a:prstGeom prst="rect">
             <a:avLst/>
           </a:prstGeom>
-          <a:noFill/>
-          <a:ln>
-            <a:noFill/>
-          </a:ln>
         </p:spPr>
       </p:pic>
     </p:spTree>
+  </p:cSld>
+  <p:clrMapOvr>
+    <a:masterClrMapping/>
+  </p:clrMapOvr>
+</p:sld>
+</file>
+
+<file path=ppt/slides/slide8.xml><?xml version="1.0" encoding="utf-8"?>
+<p:sld xmlns:a="http://schemas.openxmlformats.org/drawingml/2006/main" xmlns:r="http://schemas.openxmlformats.org/officeDocument/2006/relationships" xmlns:p="http://schemas.openxmlformats.org/presentationml/2006/main">
+  <p:cSld>
+    <p:spTree>
+      <p:nvGrpSpPr>
+        <p:cNvPr id="1" name=""/>
+        <p:cNvGrpSpPr/>
+        <p:nvPr/>
+      </p:nvGrpSpPr>
+      <p:grpSpPr>
+        <a:xfrm>
+          <a:off x="0" y="0"/>
+          <a:ext cx="0" cy="0"/>
+          <a:chOff x="0" y="0"/>
+          <a:chExt cx="0" cy="0"/>
+        </a:xfrm>
+      </p:grpSpPr>
+      <p:pic>
+        <p:nvPicPr>
+          <p:cNvPr id="3" name="Рисунок 2">
+            <a:extLst>
+              <a:ext uri="{FF2B5EF4-FFF2-40B4-BE49-F238E27FC236}">
+                <a16:creationId xmlns:a16="http://schemas.microsoft.com/office/drawing/2014/main" id="{C31390FA-3178-0C7A-7949-8710F3D86D8E}"/>
+              </a:ext>
+            </a:extLst>
+          </p:cNvPr>
+          <p:cNvPicPr>
+            <a:picLocks noChangeAspect="1"/>
+          </p:cNvPicPr>
+          <p:nvPr/>
+        </p:nvPicPr>
+        <p:blipFill>
+          <a:blip r:embed="rId2"/>
+          <a:stretch>
+            <a:fillRect/>
+          </a:stretch>
+        </p:blipFill>
+        <p:spPr>
+          <a:xfrm>
+            <a:off x="841057" y="1005410"/>
+            <a:ext cx="6199823" cy="3132680"/>
+          </a:xfrm>
+          <a:prstGeom prst="rect">
+            <a:avLst/>
+          </a:prstGeom>
+        </p:spPr>
+      </p:pic>
+    </p:spTree>
+    <p:extLst>
+      <p:ext uri="{BB962C8B-B14F-4D97-AF65-F5344CB8AC3E}">
+        <p14:creationId xmlns:p14="http://schemas.microsoft.com/office/powerpoint/2010/main" val="3330675075"/>
+      </p:ext>
+    </p:extLst>
+  </p:cSld>
+  <p:clrMapOvr>
+    <a:masterClrMapping/>
+  </p:clrMapOvr>
+</p:sld>
+</file>
+
+<file path=ppt/slides/slide9.xml><?xml version="1.0" encoding="utf-8"?>
+<p:sld xmlns:a="http://schemas.openxmlformats.org/drawingml/2006/main" xmlns:r="http://schemas.openxmlformats.org/officeDocument/2006/relationships" xmlns:p="http://schemas.openxmlformats.org/presentationml/2006/main">
+  <p:cSld>
+    <p:spTree>
+      <p:nvGrpSpPr>
+        <p:cNvPr id="1" name=""/>
+        <p:cNvGrpSpPr/>
+        <p:nvPr/>
+      </p:nvGrpSpPr>
+      <p:grpSpPr>
+        <a:xfrm>
+          <a:off x="0" y="0"/>
+          <a:ext cx="0" cy="0"/>
+          <a:chOff x="0" y="0"/>
+          <a:chExt cx="0" cy="0"/>
+        </a:xfrm>
+      </p:grpSpPr>
+      <p:pic>
+        <p:nvPicPr>
+          <p:cNvPr id="3" name="Рисунок 2">
+            <a:extLst>
+              <a:ext uri="{FF2B5EF4-FFF2-40B4-BE49-F238E27FC236}">
+                <a16:creationId xmlns:a16="http://schemas.microsoft.com/office/drawing/2014/main" id="{49B5B9E7-71E4-9871-BCAD-1941C70BA667}"/>
+              </a:ext>
+            </a:extLst>
+          </p:cNvPr>
+          <p:cNvPicPr>
+            <a:picLocks noChangeAspect="1"/>
+          </p:cNvPicPr>
+          <p:nvPr/>
+        </p:nvPicPr>
+        <p:blipFill>
+          <a:blip r:embed="rId2"/>
+          <a:stretch>
+            <a:fillRect/>
+          </a:stretch>
+        </p:blipFill>
+        <p:spPr>
+          <a:xfrm>
+            <a:off x="663892" y="803709"/>
+            <a:ext cx="3229928" cy="3536082"/>
+          </a:xfrm>
+          <a:prstGeom prst="rect">
+            <a:avLst/>
+          </a:prstGeom>
+        </p:spPr>
+      </p:pic>
+    </p:spTree>
+    <p:extLst>
+      <p:ext uri="{BB962C8B-B14F-4D97-AF65-F5344CB8AC3E}">
+        <p14:creationId xmlns:p14="http://schemas.microsoft.com/office/powerpoint/2010/main" val="767976994"/>
+      </p:ext>
+    </p:extLst>
   </p:cSld>
   <p:clrMapOvr>
     <a:masterClrMapping/>
